--- a/지원동기 생성 프로그램.pptx
+++ b/지원동기 생성 프로그램.pptx
@@ -4264,8 +4264,8 @@
         </p:nvSpPr>
         <p:spPr>
           <a:xfrm>
-            <a:off x="932330" y="1783976"/>
-            <a:ext cx="2788024" cy="4303059"/>
+            <a:off x="7897909" y="1721222"/>
+            <a:ext cx="2788024" cy="2088780"/>
           </a:xfrm>
           <a:prstGeom prst="rect">
             <a:avLst/>
@@ -4294,7 +4294,7 @@
             <a:pPr algn="ctr"/>
             <a:r>
               <a:rPr lang="ko-KR" altLang="en-US" dirty="0"/>
-              <a:t>자소서 분석</a:t>
+              <a:t>회사 특성</a:t>
             </a:r>
             <a:endParaRPr lang="en-US" altLang="ko-KR" dirty="0"/>
           </a:p>
@@ -4312,6 +4312,194 @@
               <a:rPr lang="ko-KR" altLang="en-US" dirty="0"/>
               <a:t>분석</a:t>
             </a:r>
+          </a:p>
+        </p:txBody>
+      </p:sp>
+      <p:sp>
+        <p:nvSpPr>
+          <p:cNvPr id="4" name="직사각형 3">
+            <a:extLst>
+              <a:ext uri="{FF2B5EF4-FFF2-40B4-BE49-F238E27FC236}">
+                <a16:creationId xmlns:a16="http://schemas.microsoft.com/office/drawing/2014/main" id="{7250FF30-26E1-4C50-B45F-18846BDE7879}"/>
+              </a:ext>
+            </a:extLst>
+          </p:cNvPr>
+          <p:cNvSpPr/>
+          <p:nvPr/>
+        </p:nvSpPr>
+        <p:spPr>
+          <a:xfrm>
+            <a:off x="1246097" y="1721223"/>
+            <a:ext cx="2788024" cy="2088780"/>
+          </a:xfrm>
+          <a:prstGeom prst="rect">
+            <a:avLst/>
+          </a:prstGeom>
+        </p:spPr>
+        <p:style>
+          <a:lnRef idx="2">
+            <a:schemeClr val="accent1">
+              <a:shade val="50000"/>
+            </a:schemeClr>
+          </a:lnRef>
+          <a:fillRef idx="1">
+            <a:schemeClr val="accent1"/>
+          </a:fillRef>
+          <a:effectRef idx="0">
+            <a:schemeClr val="accent1"/>
+          </a:effectRef>
+          <a:fontRef idx="minor">
+            <a:schemeClr val="lt1"/>
+          </a:fontRef>
+        </p:style>
+        <p:txBody>
+          <a:bodyPr rtlCol="0" anchor="ctr"/>
+          <a:lstStyle/>
+          <a:p>
+            <a:pPr algn="ctr"/>
+            <a:r>
+              <a:rPr lang="ko-KR" altLang="en-US" dirty="0"/>
+              <a:t>직무 분석</a:t>
+            </a:r>
+            <a:endParaRPr lang="en-US" altLang="ko-KR" dirty="0"/>
+          </a:p>
+          <a:p>
+            <a:pPr algn="ctr"/>
+            <a:endParaRPr lang="en-US" altLang="ko-KR" dirty="0"/>
+          </a:p>
+          <a:p>
+            <a:pPr algn="ctr"/>
+            <a:r>
+              <a:rPr lang="ko-KR" altLang="en-US" dirty="0"/>
+              <a:t>트렌드 분석</a:t>
+            </a:r>
+          </a:p>
+        </p:txBody>
+      </p:sp>
+      <p:sp>
+        <p:nvSpPr>
+          <p:cNvPr id="8" name="직사각형 7">
+            <a:extLst>
+              <a:ext uri="{FF2B5EF4-FFF2-40B4-BE49-F238E27FC236}">
+                <a16:creationId xmlns:a16="http://schemas.microsoft.com/office/drawing/2014/main" id="{E4D68345-A4F5-47D1-B6D3-4BA840CE8507}"/>
+              </a:ext>
+            </a:extLst>
+          </p:cNvPr>
+          <p:cNvSpPr/>
+          <p:nvPr/>
+        </p:nvSpPr>
+        <p:spPr>
+          <a:xfrm>
+            <a:off x="4572003" y="1721221"/>
+            <a:ext cx="2788024" cy="2088780"/>
+          </a:xfrm>
+          <a:prstGeom prst="rect">
+            <a:avLst/>
+          </a:prstGeom>
+        </p:spPr>
+        <p:style>
+          <a:lnRef idx="2">
+            <a:schemeClr val="accent1">
+              <a:shade val="50000"/>
+            </a:schemeClr>
+          </a:lnRef>
+          <a:fillRef idx="1">
+            <a:schemeClr val="accent1"/>
+          </a:fillRef>
+          <a:effectRef idx="0">
+            <a:schemeClr val="accent1"/>
+          </a:effectRef>
+          <a:fontRef idx="minor">
+            <a:schemeClr val="lt1"/>
+          </a:fontRef>
+        </p:style>
+        <p:txBody>
+          <a:bodyPr rtlCol="0" anchor="ctr"/>
+          <a:lstStyle/>
+          <a:p>
+            <a:pPr algn="ctr"/>
+            <a:r>
+              <a:rPr lang="ko-KR" altLang="en-US" dirty="0"/>
+              <a:t>자소서 분석</a:t>
+            </a:r>
+            <a:endParaRPr lang="en-US" altLang="ko-KR" dirty="0"/>
+          </a:p>
+          <a:p>
+            <a:pPr algn="ctr"/>
+            <a:endParaRPr lang="en-US" altLang="ko-KR" dirty="0"/>
+          </a:p>
+          <a:p>
+            <a:pPr algn="ctr"/>
+            <a:r>
+              <a:rPr lang="en-US" altLang="ko-KR" dirty="0"/>
+              <a:t>Keyword </a:t>
+            </a:r>
+            <a:r>
+              <a:rPr lang="ko-KR" altLang="en-US" dirty="0"/>
+              <a:t>분석</a:t>
+            </a:r>
+          </a:p>
+        </p:txBody>
+      </p:sp>
+      <p:sp>
+        <p:nvSpPr>
+          <p:cNvPr id="9" name="직사각형 8">
+            <a:extLst>
+              <a:ext uri="{FF2B5EF4-FFF2-40B4-BE49-F238E27FC236}">
+                <a16:creationId xmlns:a16="http://schemas.microsoft.com/office/drawing/2014/main" id="{5B6DC843-FEF7-4579-8765-B7ACC8886FD7}"/>
+              </a:ext>
+            </a:extLst>
+          </p:cNvPr>
+          <p:cNvSpPr/>
+          <p:nvPr/>
+        </p:nvSpPr>
+        <p:spPr>
+          <a:xfrm>
+            <a:off x="4572003" y="4404095"/>
+            <a:ext cx="2788024" cy="2088780"/>
+          </a:xfrm>
+          <a:prstGeom prst="rect">
+            <a:avLst/>
+          </a:prstGeom>
+        </p:spPr>
+        <p:style>
+          <a:lnRef idx="2">
+            <a:schemeClr val="accent1">
+              <a:shade val="50000"/>
+            </a:schemeClr>
+          </a:lnRef>
+          <a:fillRef idx="1">
+            <a:schemeClr val="accent1"/>
+          </a:fillRef>
+          <a:effectRef idx="0">
+            <a:schemeClr val="accent1"/>
+          </a:effectRef>
+          <a:fontRef idx="minor">
+            <a:schemeClr val="lt1"/>
+          </a:fontRef>
+        </p:style>
+        <p:txBody>
+          <a:bodyPr rtlCol="0" anchor="ctr"/>
+          <a:lstStyle/>
+          <a:p>
+            <a:pPr algn="ctr"/>
+            <a:r>
+              <a:rPr lang="ko-KR" altLang="en-US" dirty="0"/>
+              <a:t>해당 기업의 </a:t>
+            </a:r>
+            <a:endParaRPr lang="en-US" altLang="ko-KR" dirty="0"/>
+          </a:p>
+          <a:p>
+            <a:pPr algn="ctr"/>
+            <a:endParaRPr lang="en-US" altLang="ko-KR" dirty="0"/>
+          </a:p>
+          <a:p>
+            <a:pPr algn="ctr"/>
+            <a:r>
+              <a:rPr lang="ko-KR" altLang="en-US" dirty="0" err="1"/>
+              <a:t>인재상</a:t>
+            </a:r>
+            <a:endParaRPr lang="ko-KR" altLang="en-US" dirty="0"/>
           </a:p>
         </p:txBody>
       </p:sp>
